--- a/obesity analysis.pptx
+++ b/obesity analysis.pptx
@@ -243,7 +243,7 @@
           <a:p>
             <a:fld id="{1FB51ED0-8724-4321-9903-1B6C4397769A}" type="datetimeFigureOut">
               <a:rPr lang="en-US" smtClean="0"/>
-              <a:t>6/10/2024</a:t>
+              <a:t>6/13/2024</a:t>
             </a:fld>
             <a:endParaRPr lang="en-US" dirty="0"/>
           </a:p>
@@ -420,7 +420,7 @@
           <a:p>
             <a:fld id="{E714778D-F34E-4BE4-9B6B-598D2E739C81}" type="datetimeFigureOut">
               <a:rPr lang="en-US" smtClean="0"/>
-              <a:t>6/10/2024</a:t>
+              <a:t>6/13/2024</a:t>
             </a:fld>
             <a:endParaRPr lang="en-US" dirty="0"/>
           </a:p>
@@ -9478,7 +9478,7 @@
           <a:p>
             <a:fld id="{0616FFC6-B6FD-417B-BDE1-C6395267D6DB}" type="datetimeFigureOut">
               <a:rPr lang="en-US" smtClean="0"/>
-              <a:t>6/10/2024</a:t>
+              <a:t>6/13/2024</a:t>
             </a:fld>
             <a:endParaRPr lang="en-US" dirty="0"/>
           </a:p>
@@ -10071,55 +10071,6 @@
                 <a:cs typeface="Times New Roman" panose="02020603050405020304" pitchFamily="18" charset="0"/>
               </a:rPr>
               <a:t>Analyzing Obesity data</a:t>
-            </a:r>
-          </a:p>
-        </p:txBody>
-      </p:sp>
-      <p:sp>
-        <p:nvSpPr>
-          <p:cNvPr id="3" name="Subtitle 2">
-            <a:extLst>
-              <a:ext uri="{FF2B5EF4-FFF2-40B4-BE49-F238E27FC236}">
-                <a16:creationId xmlns:a16="http://schemas.microsoft.com/office/drawing/2014/main" id="{A068D447-28D3-4F5F-B2DC-FD67E9015868}"/>
-              </a:ext>
-            </a:extLst>
-          </p:cNvPr>
-          <p:cNvSpPr>
-            <a:spLocks noGrp="1"/>
-          </p:cNvSpPr>
-          <p:nvPr>
-            <p:ph type="subTitle" idx="1"/>
-          </p:nvPr>
-        </p:nvSpPr>
-        <p:spPr>
-          <a:xfrm>
-            <a:off x="4176013" y="4486288"/>
-            <a:ext cx="4334684" cy="1148080"/>
-          </a:xfrm>
-        </p:spPr>
-        <p:txBody>
-          <a:bodyPr>
-            <a:normAutofit/>
-          </a:bodyPr>
-          <a:lstStyle/>
-          <a:p>
-            <a:pPr algn="l"/>
-            <a:r>
-              <a:rPr lang="pt-BR" dirty="0">
-                <a:latin typeface="Times New Roman" panose="02020603050405020304" pitchFamily="18" charset="0"/>
-                <a:cs typeface="Times New Roman" panose="02020603050405020304" pitchFamily="18" charset="0"/>
-              </a:rPr>
-              <a:t>Ashishkumar Trada (N01580242)</a:t>
-            </a:r>
-          </a:p>
-          <a:p>
-            <a:pPr algn="l"/>
-            <a:r>
-              <a:rPr lang="pt-BR" dirty="0">
-                <a:latin typeface="Times New Roman" panose="02020603050405020304" pitchFamily="18" charset="0"/>
-                <a:cs typeface="Times New Roman" panose="02020603050405020304" pitchFamily="18" charset="0"/>
-              </a:rPr>
-              <a:t>Dhruv Patel(N01578896)</a:t>
             </a:r>
           </a:p>
         </p:txBody>
@@ -17232,15 +17183,6 @@
 </file>
 
 <file path=customXml/item1.xml><?xml version="1.0" encoding="utf-8"?>
-<?mso-contentType ?>
-<FormTemplates xmlns="http://schemas.microsoft.com/sharepoint/v3/contenttype/forms">
-  <Display>DocumentLibraryForm</Display>
-  <Edit>DocumentLibraryForm</Edit>
-  <New>DocumentLibraryForm</New>
-</FormTemplates>
-</file>
-
-<file path=customXml/item2.xml><?xml version="1.0" encoding="utf-8"?>
 <p:properties xmlns:p="http://schemas.microsoft.com/office/2006/metadata/properties" xmlns:xsi="http://www.w3.org/2001/XMLSchema-instance" xmlns:pc="http://schemas.microsoft.com/office/infopath/2007/PartnerControls">
   <documentManagement>
     <Status xmlns="71af3243-3dd4-4a8d-8c0d-dd76da1f02a5">Not started</Status>
@@ -17257,6 +17199,15 @@
     <MediaServiceKeyPoints xmlns="71af3243-3dd4-4a8d-8c0d-dd76da1f02a5" xsi:nil="true"/>
   </documentManagement>
 </p:properties>
+</file>
+
+<file path=customXml/item2.xml><?xml version="1.0" encoding="utf-8"?>
+<?mso-contentType ?>
+<FormTemplates xmlns="http://schemas.microsoft.com/sharepoint/v3/contenttype/forms">
+  <Display>DocumentLibraryForm</Display>
+  <Edit>DocumentLibraryForm</Edit>
+  <New>DocumentLibraryForm</New>
+</FormTemplates>
 </file>
 
 <file path=customXml/item3.xml><?xml version="1.0" encoding="utf-8"?>
@@ -17536,14 +17487,6 @@
 </file>
 
 <file path=customXml/itemProps1.xml><?xml version="1.0" encoding="utf-8"?>
-<ds:datastoreItem xmlns:ds="http://schemas.openxmlformats.org/officeDocument/2006/customXml" ds:itemID="{B13FC90C-E938-4D14-B988-1AABB7F8F353}">
-  <ds:schemaRefs>
-    <ds:schemaRef ds:uri="http://schemas.microsoft.com/sharepoint/v3/contenttype/forms"/>
-  </ds:schemaRefs>
-</ds:datastoreItem>
-</file>
-
-<file path=customXml/itemProps2.xml><?xml version="1.0" encoding="utf-8"?>
 <ds:datastoreItem xmlns:ds="http://schemas.openxmlformats.org/officeDocument/2006/customXml" ds:itemID="{EB3D0E2C-DCCF-4DCA-8700-60C67A2E1F44}">
   <ds:schemaRefs>
     <ds:schemaRef ds:uri="http://schemas.microsoft.com/office/2006/metadata/properties"/>
@@ -17551,6 +17494,14 @@
     <ds:schemaRef ds:uri="71af3243-3dd4-4a8d-8c0d-dd76da1f02a5"/>
     <ds:schemaRef ds:uri="http://schemas.microsoft.com/sharepoint/v3"/>
     <ds:schemaRef ds:uri="230e9df3-be65-4c73-a93b-d1236ebd677e"/>
+  </ds:schemaRefs>
+</ds:datastoreItem>
+</file>
+
+<file path=customXml/itemProps2.xml><?xml version="1.0" encoding="utf-8"?>
+<ds:datastoreItem xmlns:ds="http://schemas.openxmlformats.org/officeDocument/2006/customXml" ds:itemID="{B13FC90C-E938-4D14-B988-1AABB7F8F353}">
+  <ds:schemaRefs>
+    <ds:schemaRef ds:uri="http://schemas.microsoft.com/sharepoint/v3/contenttype/forms"/>
   </ds:schemaRefs>
 </ds:datastoreItem>
 </file>
